--- a/img/carousel.pptx
+++ b/img/carousel.pptx
@@ -8,13 +8,15 @@
     <p:sldId id="256" r:id="rId2"/>
     <p:sldId id="257" r:id="rId3"/>
     <p:sldId id="258" r:id="rId4"/>
-    <p:sldId id="259" r:id="rId5"/>
-    <p:sldId id="260" r:id="rId6"/>
-    <p:sldId id="261" r:id="rId7"/>
-    <p:sldId id="262" r:id="rId8"/>
-    <p:sldId id="263" r:id="rId9"/>
-    <p:sldId id="264" r:id="rId10"/>
-    <p:sldId id="265" r:id="rId11"/>
+    <p:sldId id="267" r:id="rId5"/>
+    <p:sldId id="259" r:id="rId6"/>
+    <p:sldId id="260" r:id="rId7"/>
+    <p:sldId id="266" r:id="rId8"/>
+    <p:sldId id="261" r:id="rId9"/>
+    <p:sldId id="262" r:id="rId10"/>
+    <p:sldId id="263" r:id="rId11"/>
+    <p:sldId id="264" r:id="rId12"/>
+    <p:sldId id="265" r:id="rId13"/>
   </p:sldIdLst>
   <p:sldSz cx="12192000" cy="6858000"/>
   <p:notesSz cx="9144000" cy="6858000"/>
@@ -252,7 +254,7 @@
           <a:p>
             <a:fld id="{8895F7B0-8DA6-41A5-BCD7-2C8DC5C1C314}" type="datetimeFigureOut">
               <a:rPr lang="en-IN" smtClean="0"/>
-              <a:t>11-24-2024</a:t>
+              <a:t>12-03-2024</a:t>
             </a:fld>
             <a:endParaRPr lang="en-IN"/>
           </a:p>
@@ -422,7 +424,7 @@
           <a:p>
             <a:fld id="{8895F7B0-8DA6-41A5-BCD7-2C8DC5C1C314}" type="datetimeFigureOut">
               <a:rPr lang="en-IN" smtClean="0"/>
-              <a:t>11-24-2024</a:t>
+              <a:t>12-03-2024</a:t>
             </a:fld>
             <a:endParaRPr lang="en-IN"/>
           </a:p>
@@ -602,7 +604,7 @@
           <a:p>
             <a:fld id="{8895F7B0-8DA6-41A5-BCD7-2C8DC5C1C314}" type="datetimeFigureOut">
               <a:rPr lang="en-IN" smtClean="0"/>
-              <a:t>11-24-2024</a:t>
+              <a:t>12-03-2024</a:t>
             </a:fld>
             <a:endParaRPr lang="en-IN"/>
           </a:p>
@@ -772,7 +774,7 @@
           <a:p>
             <a:fld id="{8895F7B0-8DA6-41A5-BCD7-2C8DC5C1C314}" type="datetimeFigureOut">
               <a:rPr lang="en-IN" smtClean="0"/>
-              <a:t>11-24-2024</a:t>
+              <a:t>12-03-2024</a:t>
             </a:fld>
             <a:endParaRPr lang="en-IN"/>
           </a:p>
@@ -1018,7 +1020,7 @@
           <a:p>
             <a:fld id="{8895F7B0-8DA6-41A5-BCD7-2C8DC5C1C314}" type="datetimeFigureOut">
               <a:rPr lang="en-IN" smtClean="0"/>
-              <a:t>11-24-2024</a:t>
+              <a:t>12-03-2024</a:t>
             </a:fld>
             <a:endParaRPr lang="en-IN"/>
           </a:p>
@@ -1250,7 +1252,7 @@
           <a:p>
             <a:fld id="{8895F7B0-8DA6-41A5-BCD7-2C8DC5C1C314}" type="datetimeFigureOut">
               <a:rPr lang="en-IN" smtClean="0"/>
-              <a:t>11-24-2024</a:t>
+              <a:t>12-03-2024</a:t>
             </a:fld>
             <a:endParaRPr lang="en-IN"/>
           </a:p>
@@ -1617,7 +1619,7 @@
           <a:p>
             <a:fld id="{8895F7B0-8DA6-41A5-BCD7-2C8DC5C1C314}" type="datetimeFigureOut">
               <a:rPr lang="en-IN" smtClean="0"/>
-              <a:t>11-24-2024</a:t>
+              <a:t>12-03-2024</a:t>
             </a:fld>
             <a:endParaRPr lang="en-IN"/>
           </a:p>
@@ -1735,7 +1737,7 @@
           <a:p>
             <a:fld id="{8895F7B0-8DA6-41A5-BCD7-2C8DC5C1C314}" type="datetimeFigureOut">
               <a:rPr lang="en-IN" smtClean="0"/>
-              <a:t>11-24-2024</a:t>
+              <a:t>12-03-2024</a:t>
             </a:fld>
             <a:endParaRPr lang="en-IN"/>
           </a:p>
@@ -1830,7 +1832,7 @@
           <a:p>
             <a:fld id="{8895F7B0-8DA6-41A5-BCD7-2C8DC5C1C314}" type="datetimeFigureOut">
               <a:rPr lang="en-IN" smtClean="0"/>
-              <a:t>11-24-2024</a:t>
+              <a:t>12-03-2024</a:t>
             </a:fld>
             <a:endParaRPr lang="en-IN"/>
           </a:p>
@@ -2107,7 +2109,7 @@
           <a:p>
             <a:fld id="{8895F7B0-8DA6-41A5-BCD7-2C8DC5C1C314}" type="datetimeFigureOut">
               <a:rPr lang="en-IN" smtClean="0"/>
-              <a:t>11-24-2024</a:t>
+              <a:t>12-03-2024</a:t>
             </a:fld>
             <a:endParaRPr lang="en-IN"/>
           </a:p>
@@ -2364,7 +2366,7 @@
           <a:p>
             <a:fld id="{8895F7B0-8DA6-41A5-BCD7-2C8DC5C1C314}" type="datetimeFigureOut">
               <a:rPr lang="en-IN" smtClean="0"/>
-              <a:t>11-24-2024</a:t>
+              <a:t>12-03-2024</a:t>
             </a:fld>
             <a:endParaRPr lang="en-IN"/>
           </a:p>
@@ -2586,7 +2588,7 @@
           <a:p>
             <a:fld id="{8895F7B0-8DA6-41A5-BCD7-2C8DC5C1C314}" type="datetimeFigureOut">
               <a:rPr lang="en-IN" smtClean="0"/>
-              <a:t>11-24-2024</a:t>
+              <a:t>12-03-2024</a:t>
             </a:fld>
             <a:endParaRPr lang="en-IN"/>
           </a:p>
@@ -3754,6 +3756,402 @@
             <a:r>
               <a:rPr lang="en-IN" sz="3600" dirty="0" smtClean="0">
                 <a:solidFill>
+                  <a:schemeClr val="accent6">
+                    <a:lumMod val="50000"/>
+                  </a:schemeClr>
+                </a:solidFill>
+                <a:latin typeface="American Brewery Rough Demo" panose="02000000000000000000" pitchFamily="2" charset="0"/>
+              </a:rPr>
+              <a:t>PYTHON</a:t>
+            </a:r>
+            <a:r>
+              <a:rPr lang="en-IN" sz="3600" dirty="0" smtClean="0">
+                <a:solidFill>
+                  <a:schemeClr val="accent6">
+                    <a:lumMod val="50000"/>
+                  </a:schemeClr>
+                </a:solidFill>
+              </a:rPr>
+              <a:t> | </a:t>
+            </a:r>
+            <a:r>
+              <a:rPr lang="en-IN" sz="3600" dirty="0" smtClean="0">
+                <a:solidFill>
+                  <a:schemeClr val="accent6">
+                    <a:lumMod val="50000"/>
+                  </a:schemeClr>
+                </a:solidFill>
+                <a:latin typeface="American Brewery Rough Demo" panose="02000000000000000000" pitchFamily="2" charset="0"/>
+              </a:rPr>
+              <a:t>SQL</a:t>
+            </a:r>
+            <a:endParaRPr lang="en-IN" sz="3600" dirty="0">
+              <a:solidFill>
+                <a:schemeClr val="accent6">
+                  <a:lumMod val="50000"/>
+                </a:schemeClr>
+              </a:solidFill>
+              <a:latin typeface="American Brewery Rough Demo" panose="02000000000000000000" pitchFamily="2" charset="0"/>
+            </a:endParaRPr>
+          </a:p>
+        </p:txBody>
+      </p:sp>
+      <p:pic>
+        <p:nvPicPr>
+          <p:cNvPr id="13" name="Picture 12"/>
+          <p:cNvPicPr>
+            <a:picLocks noChangeAspect="1"/>
+          </p:cNvPicPr>
+          <p:nvPr/>
+        </p:nvPicPr>
+        <p:blipFill>
+          <a:blip r:embed="rId3" cstate="print">
+            <a:extLst>
+              <a:ext uri="{28A0092B-C50C-407E-A947-70E740481C1C}">
+                <a14:useLocalDpi xmlns:a14="http://schemas.microsoft.com/office/drawing/2010/main" val="0"/>
+              </a:ext>
+            </a:extLst>
+          </a:blip>
+          <a:stretch>
+            <a:fillRect/>
+          </a:stretch>
+        </p:blipFill>
+        <p:spPr>
+          <a:xfrm>
+            <a:off x="8711292" y="4039062"/>
+            <a:ext cx="987879" cy="987879"/>
+          </a:xfrm>
+          <a:prstGeom prst="rect">
+            <a:avLst/>
+          </a:prstGeom>
+        </p:spPr>
+      </p:pic>
+    </p:spTree>
+    <p:extLst>
+      <p:ext uri="{BB962C8B-B14F-4D97-AF65-F5344CB8AC3E}">
+        <p14:creationId xmlns:p14="http://schemas.microsoft.com/office/powerpoint/2010/main" val="1797564142"/>
+      </p:ext>
+    </p:extLst>
+  </p:cSld>
+  <p:clrMapOvr>
+    <a:masterClrMapping/>
+  </p:clrMapOvr>
+</p:sld>
+</file>
+
+<file path=ppt/slides/slide11.xml><?xml version="1.0" encoding="utf-8"?>
+<p:sld xmlns:a="http://schemas.openxmlformats.org/drawingml/2006/main" xmlns:r="http://schemas.openxmlformats.org/officeDocument/2006/relationships" xmlns:p="http://schemas.openxmlformats.org/presentationml/2006/main">
+  <p:cSld>
+    <p:bg>
+      <p:bgPr>
+        <a:blipFill dpi="0" rotWithShape="1">
+          <a:blip r:embed="rId2">
+            <a:lum/>
+          </a:blip>
+          <a:srcRect/>
+          <a:stretch>
+            <a:fillRect/>
+          </a:stretch>
+        </a:blipFill>
+        <a:effectLst/>
+      </p:bgPr>
+    </p:bg>
+    <p:spTree>
+      <p:nvGrpSpPr>
+        <p:cNvPr id="1" name=""/>
+        <p:cNvGrpSpPr/>
+        <p:nvPr/>
+      </p:nvGrpSpPr>
+      <p:grpSpPr>
+        <a:xfrm>
+          <a:off x="0" y="0"/>
+          <a:ext cx="0" cy="0"/>
+          <a:chOff x="0" y="0"/>
+          <a:chExt cx="0" cy="0"/>
+        </a:xfrm>
+      </p:grpSpPr>
+      <p:sp>
+        <p:nvSpPr>
+          <p:cNvPr id="2" name="Rounded Rectangle 1"/>
+          <p:cNvSpPr/>
+          <p:nvPr/>
+        </p:nvSpPr>
+        <p:spPr>
+          <a:xfrm>
+            <a:off x="2296886" y="1517973"/>
+            <a:ext cx="7598228" cy="3598314"/>
+          </a:xfrm>
+          <a:prstGeom prst="roundRect">
+            <a:avLst/>
+          </a:prstGeom>
+          <a:noFill/>
+          <a:ln w="57150"/>
+        </p:spPr>
+        <p:style>
+          <a:lnRef idx="2">
+            <a:schemeClr val="accent1">
+              <a:shade val="50000"/>
+            </a:schemeClr>
+          </a:lnRef>
+          <a:fillRef idx="1">
+            <a:schemeClr val="accent1"/>
+          </a:fillRef>
+          <a:effectRef idx="0">
+            <a:schemeClr val="accent1"/>
+          </a:effectRef>
+          <a:fontRef idx="minor">
+            <a:schemeClr val="lt1"/>
+          </a:fontRef>
+        </p:style>
+        <p:txBody>
+          <a:bodyPr rtlCol="0" anchor="ctr"/>
+          <a:lstStyle/>
+          <a:p>
+            <a:pPr algn="ctr"/>
+            <a:endParaRPr lang="en-IN"/>
+          </a:p>
+        </p:txBody>
+      </p:sp>
+      <p:sp>
+        <p:nvSpPr>
+          <p:cNvPr id="12" name="TextBox 11"/>
+          <p:cNvSpPr txBox="1"/>
+          <p:nvPr/>
+        </p:nvSpPr>
+        <p:spPr>
+          <a:xfrm>
+            <a:off x="2593521" y="2684543"/>
+            <a:ext cx="7004957" cy="1265173"/>
+          </a:xfrm>
+          <a:prstGeom prst="rect">
+            <a:avLst/>
+          </a:prstGeom>
+          <a:noFill/>
+        </p:spPr>
+        <p:txBody>
+          <a:bodyPr wrap="square" rtlCol="0">
+            <a:prstTxWarp prst="textPlain">
+              <a:avLst/>
+            </a:prstTxWarp>
+            <a:spAutoFit/>
+          </a:bodyPr>
+          <a:lstStyle/>
+          <a:p>
+            <a:pPr algn="ctr"/>
+            <a:r>
+              <a:rPr lang="en-IN" sz="3600" dirty="0" smtClean="0">
+                <a:solidFill>
+                  <a:srgbClr val="002060"/>
+                </a:solidFill>
+                <a:latin typeface="American Brewery Rough Demo" panose="02000000000000000000" pitchFamily="2" charset="0"/>
+              </a:rPr>
+              <a:t>AI</a:t>
+            </a:r>
+            <a:r>
+              <a:rPr lang="en-IN" sz="3600" dirty="0" smtClean="0">
+                <a:solidFill>
+                  <a:srgbClr val="002060"/>
+                </a:solidFill>
+              </a:rPr>
+              <a:t> | </a:t>
+            </a:r>
+            <a:r>
+              <a:rPr lang="en-IN" sz="3600" dirty="0" smtClean="0">
+                <a:solidFill>
+                  <a:srgbClr val="002060"/>
+                </a:solidFill>
+                <a:latin typeface="American Brewery Rough Demo" panose="02000000000000000000" pitchFamily="2" charset="0"/>
+              </a:rPr>
+              <a:t>IT</a:t>
+            </a:r>
+            <a:r>
+              <a:rPr lang="en-IN" sz="3600" dirty="0">
+                <a:solidFill>
+                  <a:srgbClr val="002060"/>
+                </a:solidFill>
+              </a:rPr>
+              <a:t> | </a:t>
+            </a:r>
+            <a:r>
+              <a:rPr lang="en-IN" sz="3600" dirty="0" smtClean="0">
+                <a:solidFill>
+                  <a:srgbClr val="002060"/>
+                </a:solidFill>
+                <a:latin typeface="American Brewery Rough Demo" panose="02000000000000000000" pitchFamily="2" charset="0"/>
+              </a:rPr>
+              <a:t>IP</a:t>
+            </a:r>
+            <a:r>
+              <a:rPr lang="en-IN" sz="3600" dirty="0">
+                <a:solidFill>
+                  <a:srgbClr val="002060"/>
+                </a:solidFill>
+              </a:rPr>
+              <a:t> | </a:t>
+            </a:r>
+            <a:r>
+              <a:rPr lang="en-IN" sz="3600" dirty="0" smtClean="0">
+                <a:solidFill>
+                  <a:srgbClr val="002060"/>
+                </a:solidFill>
+                <a:latin typeface="American Brewery Rough Demo" panose="02000000000000000000" pitchFamily="2" charset="0"/>
+              </a:rPr>
+              <a:t>CS</a:t>
+            </a:r>
+            <a:endParaRPr lang="en-IN" sz="3600" dirty="0">
+              <a:solidFill>
+                <a:srgbClr val="002060"/>
+              </a:solidFill>
+              <a:latin typeface="American Brewery Rough Demo" panose="02000000000000000000" pitchFamily="2" charset="0"/>
+            </a:endParaRPr>
+          </a:p>
+        </p:txBody>
+      </p:sp>
+      <p:pic>
+        <p:nvPicPr>
+          <p:cNvPr id="13" name="Picture 12"/>
+          <p:cNvPicPr>
+            <a:picLocks noChangeAspect="1"/>
+          </p:cNvPicPr>
+          <p:nvPr/>
+        </p:nvPicPr>
+        <p:blipFill>
+          <a:blip r:embed="rId3" cstate="print">
+            <a:extLst>
+              <a:ext uri="{28A0092B-C50C-407E-A947-70E740481C1C}">
+                <a14:useLocalDpi xmlns:a14="http://schemas.microsoft.com/office/drawing/2010/main" val="0"/>
+              </a:ext>
+            </a:extLst>
+          </a:blip>
+          <a:stretch>
+            <a:fillRect/>
+          </a:stretch>
+        </p:blipFill>
+        <p:spPr>
+          <a:xfrm>
+            <a:off x="8711292" y="4039062"/>
+            <a:ext cx="987879" cy="987879"/>
+          </a:xfrm>
+          <a:prstGeom prst="rect">
+            <a:avLst/>
+          </a:prstGeom>
+        </p:spPr>
+      </p:pic>
+    </p:spTree>
+    <p:extLst>
+      <p:ext uri="{BB962C8B-B14F-4D97-AF65-F5344CB8AC3E}">
+        <p14:creationId xmlns:p14="http://schemas.microsoft.com/office/powerpoint/2010/main" val="9554262"/>
+      </p:ext>
+    </p:extLst>
+  </p:cSld>
+  <p:clrMapOvr>
+    <a:masterClrMapping/>
+  </p:clrMapOvr>
+</p:sld>
+</file>
+
+<file path=ppt/slides/slide12.xml><?xml version="1.0" encoding="utf-8"?>
+<p:sld xmlns:a="http://schemas.openxmlformats.org/drawingml/2006/main" xmlns:r="http://schemas.openxmlformats.org/officeDocument/2006/relationships" xmlns:p="http://schemas.openxmlformats.org/presentationml/2006/main">
+  <p:cSld>
+    <p:bg>
+      <p:bgPr>
+        <a:blipFill dpi="0" rotWithShape="1">
+          <a:blip r:embed="rId2">
+            <a:lum/>
+          </a:blip>
+          <a:srcRect/>
+          <a:stretch>
+            <a:fillRect/>
+          </a:stretch>
+        </a:blipFill>
+        <a:effectLst/>
+      </p:bgPr>
+    </p:bg>
+    <p:spTree>
+      <p:nvGrpSpPr>
+        <p:cNvPr id="1" name=""/>
+        <p:cNvGrpSpPr/>
+        <p:nvPr/>
+      </p:nvGrpSpPr>
+      <p:grpSpPr>
+        <a:xfrm>
+          <a:off x="0" y="0"/>
+          <a:ext cx="0" cy="0"/>
+          <a:chOff x="0" y="0"/>
+          <a:chExt cx="0" cy="0"/>
+        </a:xfrm>
+      </p:grpSpPr>
+      <p:sp>
+        <p:nvSpPr>
+          <p:cNvPr id="2" name="Rounded Rectangle 1"/>
+          <p:cNvSpPr/>
+          <p:nvPr/>
+        </p:nvSpPr>
+        <p:spPr>
+          <a:xfrm>
+            <a:off x="2296886" y="1517973"/>
+            <a:ext cx="7598228" cy="3598314"/>
+          </a:xfrm>
+          <a:prstGeom prst="roundRect">
+            <a:avLst/>
+          </a:prstGeom>
+          <a:noFill/>
+          <a:ln w="57150"/>
+        </p:spPr>
+        <p:style>
+          <a:lnRef idx="2">
+            <a:schemeClr val="accent1">
+              <a:shade val="50000"/>
+            </a:schemeClr>
+          </a:lnRef>
+          <a:fillRef idx="1">
+            <a:schemeClr val="accent1"/>
+          </a:fillRef>
+          <a:effectRef idx="0">
+            <a:schemeClr val="accent1"/>
+          </a:effectRef>
+          <a:fontRef idx="minor">
+            <a:schemeClr val="lt1"/>
+          </a:fontRef>
+        </p:style>
+        <p:txBody>
+          <a:bodyPr rtlCol="0" anchor="ctr"/>
+          <a:lstStyle/>
+          <a:p>
+            <a:pPr algn="ctr"/>
+            <a:endParaRPr lang="en-IN"/>
+          </a:p>
+        </p:txBody>
+      </p:sp>
+      <p:sp>
+        <p:nvSpPr>
+          <p:cNvPr id="12" name="TextBox 11"/>
+          <p:cNvSpPr txBox="1"/>
+          <p:nvPr/>
+        </p:nvSpPr>
+        <p:spPr>
+          <a:xfrm>
+            <a:off x="2593521" y="2684543"/>
+            <a:ext cx="7004957" cy="1265173"/>
+          </a:xfrm>
+          <a:prstGeom prst="rect">
+            <a:avLst/>
+          </a:prstGeom>
+          <a:noFill/>
+        </p:spPr>
+        <p:txBody>
+          <a:bodyPr wrap="square" rtlCol="0">
+            <a:prstTxWarp prst="textPlain">
+              <a:avLst/>
+            </a:prstTxWarp>
+            <a:spAutoFit/>
+          </a:bodyPr>
+          <a:lstStyle/>
+          <a:p>
+            <a:pPr algn="ctr"/>
+            <a:r>
+              <a:rPr lang="en-IN" sz="3600" dirty="0" smtClean="0">
+                <a:solidFill>
                   <a:srgbClr val="002060"/>
                 </a:solidFill>
                 <a:latin typeface="American Brewery Rough Demo" panose="02000000000000000000" pitchFamily="2" charset="0"/>
@@ -5093,20 +5491,6 @@
 <file path=ppt/slides/slide4.xml><?xml version="1.0" encoding="utf-8"?>
 <p:sld xmlns:a="http://schemas.openxmlformats.org/drawingml/2006/main" xmlns:r="http://schemas.openxmlformats.org/officeDocument/2006/relationships" xmlns:p="http://schemas.openxmlformats.org/presentationml/2006/main">
   <p:cSld>
-    <p:bg>
-      <p:bgPr>
-        <a:blipFill dpi="0" rotWithShape="1">
-          <a:blip r:embed="rId2">
-            <a:lum/>
-          </a:blip>
-          <a:srcRect/>
-          <a:stretch>
-            <a:fillRect/>
-          </a:stretch>
-        </a:blipFill>
-        <a:effectLst/>
-      </p:bgPr>
-    </p:bg>
     <p:spTree>
       <p:nvGrpSpPr>
         <p:cNvPr id="1" name=""/>
@@ -5121,22 +5505,196 @@
           <a:chExt cx="0" cy="0"/>
         </a:xfrm>
       </p:grpSpPr>
-      <p:sp>
-        <p:nvSpPr>
-          <p:cNvPr id="2" name="Rounded Rectangle 1"/>
-          <p:cNvSpPr/>
+      <p:pic>
+        <p:nvPicPr>
+          <p:cNvPr id="16" name="Picture 15"/>
+          <p:cNvPicPr>
+            <a:picLocks noChangeAspect="1"/>
+          </p:cNvPicPr>
           <p:nvPr/>
-        </p:nvSpPr>
-        <p:spPr>
-          <a:xfrm>
-            <a:off x="2296886" y="1517973"/>
-            <a:ext cx="7598228" cy="3598314"/>
-          </a:xfrm>
-          <a:prstGeom prst="roundRect">
+        </p:nvPicPr>
+        <p:blipFill>
+          <a:blip r:embed="rId2" cstate="print">
+            <a:extLst>
+              <a:ext uri="{28A0092B-C50C-407E-A947-70E740481C1C}">
+                <a14:useLocalDpi xmlns:a14="http://schemas.microsoft.com/office/drawing/2010/main" val="0"/>
+              </a:ext>
+            </a:extLst>
+          </a:blip>
+          <a:stretch>
+            <a:fillRect/>
+          </a:stretch>
+        </p:blipFill>
+        <p:spPr>
+          <a:xfrm>
+            <a:off x="4739951" y="1484323"/>
+            <a:ext cx="6943842" cy="1789380"/>
+          </a:xfrm>
+          <a:prstGeom prst="rect">
+            <a:avLst/>
+          </a:prstGeom>
+        </p:spPr>
+      </p:pic>
+      <p:pic>
+        <p:nvPicPr>
+          <p:cNvPr id="3" name="Picture 2" descr="Join Us - Akashvani &amp; Doordarshan Retired Engineers Welfare Society"/>
+          <p:cNvPicPr>
+            <a:picLocks noChangeAspect="1" noChangeArrowheads="1"/>
+          </p:cNvPicPr>
+          <p:nvPr/>
+        </p:nvPicPr>
+        <p:blipFill>
+          <a:blip r:embed="rId3" cstate="print">
+            <a:extLst>
+              <a:ext uri="{28A0092B-C50C-407E-A947-70E740481C1C}">
+                <a14:useLocalDpi xmlns:a14="http://schemas.microsoft.com/office/drawing/2010/main" val="0"/>
+              </a:ext>
+            </a:extLst>
+          </a:blip>
+          <a:srcRect/>
+          <a:stretch>
+            <a:fillRect/>
+          </a:stretch>
+        </p:blipFill>
+        <p:spPr bwMode="auto">
+          <a:xfrm>
+            <a:off x="4498766" y="3273703"/>
+            <a:ext cx="2032181" cy="1545825"/>
+          </a:xfrm>
+          <a:prstGeom prst="rect">
             <a:avLst/>
           </a:prstGeom>
           <a:noFill/>
-          <a:ln w="57150"/>
+          <a:extLst>
+            <a:ext uri="{909E8E84-426E-40DD-AFC4-6F175D3DCCD1}">
+              <a14:hiddenFill xmlns:a14="http://schemas.microsoft.com/office/drawing/2010/main">
+                <a:solidFill>
+                  <a:srgbClr val="FFFFFF"/>
+                </a:solidFill>
+              </a14:hiddenFill>
+            </a:ext>
+          </a:extLst>
+        </p:spPr>
+      </p:pic>
+      <p:grpSp>
+        <p:nvGrpSpPr>
+          <p:cNvPr id="8" name="Group 7"/>
+          <p:cNvGrpSpPr/>
+          <p:nvPr/>
+        </p:nvGrpSpPr>
+        <p:grpSpPr>
+          <a:xfrm>
+            <a:off x="6553317" y="3706893"/>
+            <a:ext cx="5108105" cy="679444"/>
+            <a:chOff x="3403124" y="4325412"/>
+            <a:chExt cx="5108105" cy="679444"/>
+          </a:xfrm>
+        </p:grpSpPr>
+        <p:pic>
+          <p:nvPicPr>
+            <p:cNvPr id="1028" name="Picture 4" descr="Whatsapp Logo PNG Transparent Background, Free Download #3936 - FreeIconsPNG"/>
+            <p:cNvPicPr>
+              <a:picLocks noChangeAspect="1" noChangeArrowheads="1"/>
+            </p:cNvPicPr>
+            <p:nvPr/>
+          </p:nvPicPr>
+          <p:blipFill>
+            <a:blip r:embed="rId4" cstate="print">
+              <a:extLst>
+                <a:ext uri="{28A0092B-C50C-407E-A947-70E740481C1C}">
+                  <a14:useLocalDpi xmlns:a14="http://schemas.microsoft.com/office/drawing/2010/main" val="0"/>
+                </a:ext>
+              </a:extLst>
+            </a:blip>
+            <a:srcRect/>
+            <a:stretch>
+              <a:fillRect/>
+            </a:stretch>
+          </p:blipFill>
+          <p:spPr bwMode="auto">
+            <a:xfrm>
+              <a:off x="3403124" y="4325412"/>
+              <a:ext cx="671849" cy="679444"/>
+            </a:xfrm>
+            <a:prstGeom prst="rect">
+              <a:avLst/>
+            </a:prstGeom>
+            <a:noFill/>
+            <a:extLst>
+              <a:ext uri="{909E8E84-426E-40DD-AFC4-6F175D3DCCD1}">
+                <a14:hiddenFill xmlns:a14="http://schemas.microsoft.com/office/drawing/2010/main">
+                  <a:solidFill>
+                    <a:srgbClr val="FFFFFF"/>
+                  </a:solidFill>
+                </a14:hiddenFill>
+              </a:ext>
+            </a:extLst>
+          </p:spPr>
+        </p:pic>
+        <p:sp>
+          <p:nvSpPr>
+            <p:cNvPr id="4" name="TextBox 3"/>
+            <p:cNvSpPr txBox="1"/>
+            <p:nvPr/>
+          </p:nvSpPr>
+          <p:spPr>
+            <a:xfrm>
+              <a:off x="4129762" y="4436753"/>
+              <a:ext cx="4381467" cy="411947"/>
+            </a:xfrm>
+            <a:prstGeom prst="rect">
+              <a:avLst/>
+            </a:prstGeom>
+            <a:noFill/>
+          </p:spPr>
+          <p:txBody>
+            <a:bodyPr wrap="square" rtlCol="0">
+              <a:prstTxWarp prst="textPlain">
+                <a:avLst/>
+              </a:prstTxWarp>
+              <a:spAutoFit/>
+            </a:bodyPr>
+            <a:lstStyle/>
+            <a:p>
+              <a:r>
+                <a:rPr lang="en-IN" sz="2800" dirty="0" smtClean="0">
+                  <a:solidFill>
+                    <a:srgbClr val="189D0E"/>
+                  </a:solidFill>
+                  <a:latin typeface="Square721 BdEx BT" panose="020B0907030502060203" pitchFamily="34" charset="0"/>
+                </a:rPr>
+                <a:t>9205730212</a:t>
+              </a:r>
+              <a:endParaRPr lang="en-IN" sz="2800" dirty="0">
+                <a:solidFill>
+                  <a:srgbClr val="189D0E"/>
+                </a:solidFill>
+                <a:latin typeface="Square721 BdEx BT" panose="020B0907030502060203" pitchFamily="34" charset="0"/>
+              </a:endParaRPr>
+            </a:p>
+          </p:txBody>
+        </p:sp>
+      </p:grpSp>
+      <p:sp>
+        <p:nvSpPr>
+          <p:cNvPr id="7" name="Rectangle 6"/>
+          <p:cNvSpPr/>
+          <p:nvPr/>
+        </p:nvSpPr>
+        <p:spPr>
+          <a:xfrm>
+            <a:off x="0" y="5204425"/>
+            <a:ext cx="12192000" cy="1653575"/>
+          </a:xfrm>
+          <a:prstGeom prst="rect">
+            <a:avLst/>
+          </a:prstGeom>
+          <a:solidFill>
+            <a:srgbClr val="060B2B"/>
+          </a:solidFill>
+          <a:ln>
+            <a:noFill/>
+          </a:ln>
         </p:spPr>
         <p:style>
           <a:lnRef idx="2">
@@ -5165,76 +5723,93 @@
       </p:sp>
       <p:sp>
         <p:nvSpPr>
-          <p:cNvPr id="12" name="TextBox 11"/>
+          <p:cNvPr id="17" name="TextBox 16"/>
           <p:cNvSpPr txBox="1"/>
           <p:nvPr/>
         </p:nvSpPr>
         <p:spPr>
           <a:xfrm>
-            <a:off x="2593521" y="2684543"/>
-            <a:ext cx="7004957" cy="1265173"/>
+            <a:off x="11409" y="5609173"/>
+            <a:ext cx="12191999" cy="707886"/>
           </a:xfrm>
           <a:prstGeom prst="rect">
             <a:avLst/>
           </a:prstGeom>
           <a:noFill/>
-        </p:spPr>
+          <a:ln>
+            <a:noFill/>
+          </a:ln>
+        </p:spPr>
+        <p:style>
+          <a:lnRef idx="2">
+            <a:schemeClr val="accent4"/>
+          </a:lnRef>
+          <a:fillRef idx="1">
+            <a:schemeClr val="lt1"/>
+          </a:fillRef>
+          <a:effectRef idx="0">
+            <a:schemeClr val="accent4"/>
+          </a:effectRef>
+          <a:fontRef idx="minor">
+            <a:schemeClr val="dk1"/>
+          </a:fontRef>
+        </p:style>
         <p:txBody>
           <a:bodyPr wrap="square" rtlCol="0">
-            <a:prstTxWarp prst="textPlain">
-              <a:avLst/>
-            </a:prstTxWarp>
             <a:spAutoFit/>
           </a:bodyPr>
           <a:lstStyle/>
           <a:p>
             <a:pPr algn="ctr"/>
             <a:r>
-              <a:rPr lang="en-IN" sz="3600" dirty="0" smtClean="0">
-                <a:latin typeface="American Brewery Rough Demo" panose="02000000000000000000" pitchFamily="2" charset="0"/>
-              </a:rPr>
-              <a:t>MATHEMATICS</a:t>
-            </a:r>
-            <a:endParaRPr lang="en-IN" sz="3600" dirty="0">
-              <a:latin typeface="American Brewery Rough Demo" panose="02000000000000000000" pitchFamily="2" charset="0"/>
+              <a:rPr lang="en-IN" sz="4000" dirty="0" smtClean="0">
+                <a:solidFill>
+                  <a:schemeClr val="bg1"/>
+                </a:solidFill>
+                <a:latin typeface="Arial Black" panose="020B0A04020102020204" pitchFamily="34" charset="0"/>
+              </a:rPr>
+              <a:t>ONLINE </a:t>
+            </a:r>
+            <a:r>
+              <a:rPr lang="en-IN" sz="4000" dirty="0" smtClean="0">
+                <a:solidFill>
+                  <a:schemeClr val="bg1"/>
+                </a:solidFill>
+                <a:latin typeface="Arial Black" panose="020B0A04020102020204" pitchFamily="34" charset="0"/>
+              </a:rPr>
+              <a:t>/ Offline </a:t>
+            </a:r>
+            <a:r>
+              <a:rPr lang="en-IN" sz="4000" dirty="0" smtClean="0">
+                <a:solidFill>
+                  <a:srgbClr val="FFFF00"/>
+                </a:solidFill>
+                <a:latin typeface="Arial Black" panose="020B0A04020102020204" pitchFamily="34" charset="0"/>
+              </a:rPr>
+              <a:t>both modes are </a:t>
+            </a:r>
+            <a:r>
+              <a:rPr lang="en-IN" sz="4000" dirty="0" smtClean="0">
+                <a:solidFill>
+                  <a:srgbClr val="FFFF00"/>
+                </a:solidFill>
+                <a:latin typeface="Arial Black" panose="020B0A04020102020204" pitchFamily="34" charset="0"/>
+              </a:rPr>
+              <a:t>available</a:t>
+            </a:r>
+            <a:endParaRPr lang="en-IN" sz="4000" dirty="0">
+              <a:solidFill>
+                <a:srgbClr val="00B0F0"/>
+              </a:solidFill>
+              <a:latin typeface="Arial Black" panose="020B0A04020102020204" pitchFamily="34" charset="0"/>
             </a:endParaRPr>
           </a:p>
         </p:txBody>
       </p:sp>
-      <p:pic>
-        <p:nvPicPr>
-          <p:cNvPr id="13" name="Picture 12"/>
-          <p:cNvPicPr>
-            <a:picLocks noChangeAspect="1"/>
-          </p:cNvPicPr>
-          <p:nvPr/>
-        </p:nvPicPr>
-        <p:blipFill>
-          <a:blip r:embed="rId3" cstate="print">
-            <a:extLst>
-              <a:ext uri="{28A0092B-C50C-407E-A947-70E740481C1C}">
-                <a14:useLocalDpi xmlns:a14="http://schemas.microsoft.com/office/drawing/2010/main" val="0"/>
-              </a:ext>
-            </a:extLst>
-          </a:blip>
-          <a:stretch>
-            <a:fillRect/>
-          </a:stretch>
-        </p:blipFill>
-        <p:spPr>
-          <a:xfrm>
-            <a:off x="8711292" y="4039062"/>
-            <a:ext cx="987879" cy="987879"/>
-          </a:xfrm>
-          <a:prstGeom prst="rect">
-            <a:avLst/>
-          </a:prstGeom>
-        </p:spPr>
-      </p:pic>
     </p:spTree>
     <p:extLst>
       <p:ext uri="{BB962C8B-B14F-4D97-AF65-F5344CB8AC3E}">
-        <p14:creationId xmlns:p14="http://schemas.microsoft.com/office/powerpoint/2010/main" val="3628346567"/>
+        <p14:creationId xmlns:p14="http://schemas.microsoft.com/office/powerpoint/2010/main" val="1935690525"/>
       </p:ext>
     </p:extLst>
   </p:cSld>
@@ -5347,7 +5922,7 @@
               <a:rPr lang="en-IN" sz="3600" dirty="0" smtClean="0">
                 <a:latin typeface="American Brewery Rough Demo" panose="02000000000000000000" pitchFamily="2" charset="0"/>
               </a:rPr>
-              <a:t>PHYSICS</a:t>
+              <a:t>MATHEMATICS</a:t>
             </a:r>
             <a:endParaRPr lang="en-IN" sz="3600" dirty="0">
               <a:latin typeface="American Brewery Rough Demo" panose="02000000000000000000" pitchFamily="2" charset="0"/>
@@ -5388,7 +5963,7 @@
     </p:spTree>
     <p:extLst>
       <p:ext uri="{BB962C8B-B14F-4D97-AF65-F5344CB8AC3E}">
-        <p14:creationId xmlns:p14="http://schemas.microsoft.com/office/powerpoint/2010/main" val="1150114158"/>
+        <p14:creationId xmlns:p14="http://schemas.microsoft.com/office/powerpoint/2010/main" val="3628346567"/>
       </p:ext>
     </p:extLst>
   </p:cSld>
@@ -5501,7 +6076,7 @@
               <a:rPr lang="en-IN" sz="3600" dirty="0" smtClean="0">
                 <a:latin typeface="American Brewery Rough Demo" panose="02000000000000000000" pitchFamily="2" charset="0"/>
               </a:rPr>
-              <a:t>CHEMISTRY</a:t>
+              <a:t>PHYSICS</a:t>
             </a:r>
             <a:endParaRPr lang="en-IN" sz="3600" dirty="0">
               <a:latin typeface="American Brewery Rough Demo" panose="02000000000000000000" pitchFamily="2" charset="0"/>
@@ -5542,7 +6117,7 @@
     </p:spTree>
     <p:extLst>
       <p:ext uri="{BB962C8B-B14F-4D97-AF65-F5344CB8AC3E}">
-        <p14:creationId xmlns:p14="http://schemas.microsoft.com/office/powerpoint/2010/main" val="1121533180"/>
+        <p14:creationId xmlns:p14="http://schemas.microsoft.com/office/powerpoint/2010/main" val="1150114158"/>
       </p:ext>
     </p:extLst>
   </p:cSld>
@@ -5655,7 +6230,7 @@
               <a:rPr lang="en-IN" sz="3600" dirty="0" smtClean="0">
                 <a:latin typeface="American Brewery Rough Demo" panose="02000000000000000000" pitchFamily="2" charset="0"/>
               </a:rPr>
-              <a:t>BIOLOGY</a:t>
+              <a:t>PHYSICS</a:t>
             </a:r>
             <a:endParaRPr lang="en-IN" sz="3600" dirty="0">
               <a:latin typeface="American Brewery Rough Demo" panose="02000000000000000000" pitchFamily="2" charset="0"/>
@@ -5696,7 +6271,7 @@
     </p:spTree>
     <p:extLst>
       <p:ext uri="{BB962C8B-B14F-4D97-AF65-F5344CB8AC3E}">
-        <p14:creationId xmlns:p14="http://schemas.microsoft.com/office/powerpoint/2010/main" val="613052335"/>
+        <p14:creationId xmlns:p14="http://schemas.microsoft.com/office/powerpoint/2010/main" val="1865306670"/>
       </p:ext>
     </p:extLst>
   </p:cSld>
@@ -5807,42 +6382,11 @@
             <a:pPr algn="ctr"/>
             <a:r>
               <a:rPr lang="en-IN" sz="3600" dirty="0" smtClean="0">
-                <a:solidFill>
-                  <a:schemeClr val="accent6">
-                    <a:lumMod val="50000"/>
-                  </a:schemeClr>
-                </a:solidFill>
                 <a:latin typeface="American Brewery Rough Demo" panose="02000000000000000000" pitchFamily="2" charset="0"/>
               </a:rPr>
-              <a:t>PYTHON</a:t>
-            </a:r>
-            <a:r>
-              <a:rPr lang="en-IN" sz="3600" dirty="0" smtClean="0">
-                <a:solidFill>
-                  <a:schemeClr val="accent6">
-                    <a:lumMod val="50000"/>
-                  </a:schemeClr>
-                </a:solidFill>
-              </a:rPr>
-              <a:t> | </a:t>
-            </a:r>
-            <a:r>
-              <a:rPr lang="en-IN" sz="3600" dirty="0" smtClean="0">
-                <a:solidFill>
-                  <a:schemeClr val="accent6">
-                    <a:lumMod val="50000"/>
-                  </a:schemeClr>
-                </a:solidFill>
-                <a:latin typeface="American Brewery Rough Demo" panose="02000000000000000000" pitchFamily="2" charset="0"/>
-              </a:rPr>
-              <a:t>SQL</a:t>
+              <a:t>CHEMISTRY</a:t>
             </a:r>
             <a:endParaRPr lang="en-IN" sz="3600" dirty="0">
-              <a:solidFill>
-                <a:schemeClr val="accent6">
-                  <a:lumMod val="50000"/>
-                </a:schemeClr>
-              </a:solidFill>
               <a:latin typeface="American Brewery Rough Demo" panose="02000000000000000000" pitchFamily="2" charset="0"/>
             </a:endParaRPr>
           </a:p>
@@ -5881,7 +6425,7 @@
     </p:spTree>
     <p:extLst>
       <p:ext uri="{BB962C8B-B14F-4D97-AF65-F5344CB8AC3E}">
-        <p14:creationId xmlns:p14="http://schemas.microsoft.com/office/powerpoint/2010/main" val="1797564142"/>
+        <p14:creationId xmlns:p14="http://schemas.microsoft.com/office/powerpoint/2010/main" val="1121533180"/>
       </p:ext>
     </p:extLst>
   </p:cSld>
@@ -5992,68 +6536,11 @@
             <a:pPr algn="ctr"/>
             <a:r>
               <a:rPr lang="en-IN" sz="3600" dirty="0" smtClean="0">
-                <a:solidFill>
-                  <a:srgbClr val="002060"/>
-                </a:solidFill>
                 <a:latin typeface="American Brewery Rough Demo" panose="02000000000000000000" pitchFamily="2" charset="0"/>
               </a:rPr>
-              <a:t>AI</a:t>
-            </a:r>
-            <a:r>
-              <a:rPr lang="en-IN" sz="3600" dirty="0" smtClean="0">
-                <a:solidFill>
-                  <a:srgbClr val="002060"/>
-                </a:solidFill>
-              </a:rPr>
-              <a:t> | </a:t>
-            </a:r>
-            <a:r>
-              <a:rPr lang="en-IN" sz="3600" dirty="0" smtClean="0">
-                <a:solidFill>
-                  <a:srgbClr val="002060"/>
-                </a:solidFill>
-                <a:latin typeface="American Brewery Rough Demo" panose="02000000000000000000" pitchFamily="2" charset="0"/>
-              </a:rPr>
-              <a:t>IT</a:t>
-            </a:r>
-            <a:r>
-              <a:rPr lang="en-IN" sz="3600" dirty="0">
-                <a:solidFill>
-                  <a:srgbClr val="002060"/>
-                </a:solidFill>
-              </a:rPr>
-              <a:t> | </a:t>
-            </a:r>
-            <a:r>
-              <a:rPr lang="en-IN" sz="3600" dirty="0" smtClean="0">
-                <a:solidFill>
-                  <a:srgbClr val="002060"/>
-                </a:solidFill>
-                <a:latin typeface="American Brewery Rough Demo" panose="02000000000000000000" pitchFamily="2" charset="0"/>
-              </a:rPr>
-              <a:t>IP</a:t>
-            </a:r>
-            <a:r>
-              <a:rPr lang="en-IN" sz="3600" dirty="0">
-                <a:solidFill>
-                  <a:srgbClr val="002060"/>
-                </a:solidFill>
-              </a:rPr>
-              <a:t> | </a:t>
-            </a:r>
-            <a:r>
-              <a:rPr lang="en-IN" sz="3600" dirty="0" smtClean="0">
-                <a:solidFill>
-                  <a:srgbClr val="002060"/>
-                </a:solidFill>
-                <a:latin typeface="American Brewery Rough Demo" panose="02000000000000000000" pitchFamily="2" charset="0"/>
-              </a:rPr>
-              <a:t>CS</a:t>
+              <a:t>BIOLOGY</a:t>
             </a:r>
             <a:endParaRPr lang="en-IN" sz="3600" dirty="0">
-              <a:solidFill>
-                <a:srgbClr val="002060"/>
-              </a:solidFill>
               <a:latin typeface="American Brewery Rough Demo" panose="02000000000000000000" pitchFamily="2" charset="0"/>
             </a:endParaRPr>
           </a:p>
@@ -6092,7 +6579,7 @@
     </p:spTree>
     <p:extLst>
       <p:ext uri="{BB962C8B-B14F-4D97-AF65-F5344CB8AC3E}">
-        <p14:creationId xmlns:p14="http://schemas.microsoft.com/office/powerpoint/2010/main" val="9554262"/>
+        <p14:creationId xmlns:p14="http://schemas.microsoft.com/office/powerpoint/2010/main" val="613052335"/>
       </p:ext>
     </p:extLst>
   </p:cSld>
